--- a/Ara/Pitch Presentation.pptx
+++ b/Ara/Pitch Presentation.pptx
@@ -4793,19 +4793,29 @@
             <p:ph type="title"/>
           </p:nvPr>
         </p:nvSpPr>
-        <p:spPr/>
+        <p:spPr>
+          <a:xfrm>
+            <a:off x="838200" y="365125"/>
+            <a:ext cx="10515600" cy="1325563"/>
+          </a:xfrm>
+        </p:spPr>
         <p:txBody>
           <a:bodyPr/>
           <a:lstStyle/>
           <a:p>
             <a:r>
-              <a:rPr lang="en-US" dirty="0">
+              <a:rPr lang="en-US">
                 <a:solidFill>
                   <a:srgbClr val="2C426B"/>
                 </a:solidFill>
               </a:rPr>
               <a:t>Powered by Google Firebase</a:t>
             </a:r>
+            <a:endParaRPr lang="en-US" dirty="0">
+              <a:solidFill>
+                <a:srgbClr val="2C426B"/>
+              </a:solidFill>
+            </a:endParaRPr>
           </a:p>
         </p:txBody>
       </p:sp>
@@ -4834,31 +4844,38 @@
           </a:p>
         </p:txBody>
       </p:sp>
-      <p:sp>
-        <p:nvSpPr>
-          <p:cNvPr id="4" name="内容占位符 3">
-            <a:extLst>
-              <a:ext uri="{FF2B5EF4-FFF2-40B4-BE49-F238E27FC236}">
-                <a16:creationId xmlns:a16="http://schemas.microsoft.com/office/drawing/2014/main" id="{B3229F3A-1D87-46F8-AAF3-740634F892DD}"/>
-              </a:ext>
-            </a:extLst>
-          </p:cNvPr>
-          <p:cNvSpPr>
-            <a:spLocks noGrp="1"/>
-          </p:cNvSpPr>
+      <p:pic>
+        <p:nvPicPr>
+          <p:cNvPr id="6" name="内容占位符 5">
+            <a:extLst>
+              <a:ext uri="{FF2B5EF4-FFF2-40B4-BE49-F238E27FC236}">
+                <a16:creationId xmlns:a16="http://schemas.microsoft.com/office/drawing/2014/main" id="{CC5F08D0-B55A-413F-9BB5-61A0751F838B}"/>
+              </a:ext>
+            </a:extLst>
+          </p:cNvPr>
+          <p:cNvPicPr>
+            <a:picLocks noGrp="1" noChangeAspect="1"/>
+          </p:cNvPicPr>
           <p:nvPr>
             <p:ph sz="half" idx="2"/>
           </p:nvPr>
-        </p:nvSpPr>
-        <p:spPr/>
-        <p:txBody>
-          <a:bodyPr/>
-          <a:lstStyle/>
-          <a:p>
-            <a:endParaRPr lang="en-US"/>
-          </a:p>
-        </p:txBody>
-      </p:sp>
+        </p:nvPicPr>
+        <p:blipFill>
+          <a:blip r:embed="rId2"/>
+          <a:stretch>
+            <a:fillRect/>
+          </a:stretch>
+        </p:blipFill>
+        <p:spPr>
+          <a:xfrm>
+            <a:off x="6488686" y="1825625"/>
+            <a:ext cx="4548627" cy="4351338"/>
+          </a:xfrm>
+          <a:prstGeom prst="rect">
+            <a:avLst/>
+          </a:prstGeom>
+        </p:spPr>
+      </p:pic>
     </p:spTree>
     <p:extLst>
       <p:ext uri="{BB962C8B-B14F-4D97-AF65-F5344CB8AC3E}">
